--- a/docs/diagrams/ViewDoctorSequenceDiagram.pptx
+++ b/docs/diagrams/ViewDoctorSequenceDiagram.pptx
@@ -197,7 +197,7 @@
           <a:p>
             <a:fld id="{B55B7AAA-5A60-4BB6-815C-0031F3A45282}" type="datetimeFigureOut">
               <a:rPr lang="en-SG" smtClean="0"/>
-              <a:t>11 Nov 2018</a:t>
+              <a:t>12 Nov 2018</a:t>
             </a:fld>
             <a:endParaRPr lang="en-SG"/>
           </a:p>
@@ -698,7 +698,7 @@
           <a:p>
             <a:fld id="{34A3C15C-ECD7-4D2A-A254-6F305FE05631}" type="datetimeFigureOut">
               <a:rPr lang="en-SG" smtClean="0"/>
-              <a:t>11 Nov 2018</a:t>
+              <a:t>12 Nov 2018</a:t>
             </a:fld>
             <a:endParaRPr lang="en-SG"/>
           </a:p>
@@ -898,7 +898,7 @@
           <a:p>
             <a:fld id="{34A3C15C-ECD7-4D2A-A254-6F305FE05631}" type="datetimeFigureOut">
               <a:rPr lang="en-SG" smtClean="0"/>
-              <a:t>11 Nov 2018</a:t>
+              <a:t>12 Nov 2018</a:t>
             </a:fld>
             <a:endParaRPr lang="en-SG"/>
           </a:p>
@@ -1108,7 +1108,7 @@
           <a:p>
             <a:fld id="{34A3C15C-ECD7-4D2A-A254-6F305FE05631}" type="datetimeFigureOut">
               <a:rPr lang="en-SG" smtClean="0"/>
-              <a:t>11 Nov 2018</a:t>
+              <a:t>12 Nov 2018</a:t>
             </a:fld>
             <a:endParaRPr lang="en-SG"/>
           </a:p>
@@ -1308,7 +1308,7 @@
           <a:p>
             <a:fld id="{34A3C15C-ECD7-4D2A-A254-6F305FE05631}" type="datetimeFigureOut">
               <a:rPr lang="en-SG" smtClean="0"/>
-              <a:t>11 Nov 2018</a:t>
+              <a:t>12 Nov 2018</a:t>
             </a:fld>
             <a:endParaRPr lang="en-SG"/>
           </a:p>
@@ -1584,7 +1584,7 @@
           <a:p>
             <a:fld id="{34A3C15C-ECD7-4D2A-A254-6F305FE05631}" type="datetimeFigureOut">
               <a:rPr lang="en-SG" smtClean="0"/>
-              <a:t>11 Nov 2018</a:t>
+              <a:t>12 Nov 2018</a:t>
             </a:fld>
             <a:endParaRPr lang="en-SG"/>
           </a:p>
@@ -1852,7 +1852,7 @@
           <a:p>
             <a:fld id="{34A3C15C-ECD7-4D2A-A254-6F305FE05631}" type="datetimeFigureOut">
               <a:rPr lang="en-SG" smtClean="0"/>
-              <a:t>11 Nov 2018</a:t>
+              <a:t>12 Nov 2018</a:t>
             </a:fld>
             <a:endParaRPr lang="en-SG"/>
           </a:p>
@@ -2267,7 +2267,7 @@
           <a:p>
             <a:fld id="{34A3C15C-ECD7-4D2A-A254-6F305FE05631}" type="datetimeFigureOut">
               <a:rPr lang="en-SG" smtClean="0"/>
-              <a:t>11 Nov 2018</a:t>
+              <a:t>12 Nov 2018</a:t>
             </a:fld>
             <a:endParaRPr lang="en-SG"/>
           </a:p>
@@ -2409,7 +2409,7 @@
           <a:p>
             <a:fld id="{34A3C15C-ECD7-4D2A-A254-6F305FE05631}" type="datetimeFigureOut">
               <a:rPr lang="en-SG" smtClean="0"/>
-              <a:t>11 Nov 2018</a:t>
+              <a:t>12 Nov 2018</a:t>
             </a:fld>
             <a:endParaRPr lang="en-SG"/>
           </a:p>
@@ -2522,7 +2522,7 @@
           <a:p>
             <a:fld id="{34A3C15C-ECD7-4D2A-A254-6F305FE05631}" type="datetimeFigureOut">
               <a:rPr lang="en-SG" smtClean="0"/>
-              <a:t>11 Nov 2018</a:t>
+              <a:t>12 Nov 2018</a:t>
             </a:fld>
             <a:endParaRPr lang="en-SG"/>
           </a:p>
@@ -2835,7 +2835,7 @@
           <a:p>
             <a:fld id="{34A3C15C-ECD7-4D2A-A254-6F305FE05631}" type="datetimeFigureOut">
               <a:rPr lang="en-SG" smtClean="0"/>
-              <a:t>11 Nov 2018</a:t>
+              <a:t>12 Nov 2018</a:t>
             </a:fld>
             <a:endParaRPr lang="en-SG"/>
           </a:p>
@@ -3124,7 +3124,7 @@
           <a:p>
             <a:fld id="{34A3C15C-ECD7-4D2A-A254-6F305FE05631}" type="datetimeFigureOut">
               <a:rPr lang="en-SG" smtClean="0"/>
-              <a:t>11 Nov 2018</a:t>
+              <a:t>12 Nov 2018</a:t>
             </a:fld>
             <a:endParaRPr lang="en-SG"/>
           </a:p>
@@ -3367,7 +3367,7 @@
           <a:p>
             <a:fld id="{34A3C15C-ECD7-4D2A-A254-6F305FE05631}" type="datetimeFigureOut">
               <a:rPr lang="en-SG" smtClean="0"/>
-              <a:t>11 Nov 2018</a:t>
+              <a:t>12 Nov 2018</a:t>
             </a:fld>
             <a:endParaRPr lang="en-SG"/>
           </a:p>
@@ -4077,7 +4077,7 @@
                   <a:schemeClr val="bg1"/>
                 </a:solidFill>
               </a:rPr>
-              <a:t>:Address</a:t>
+              <a:t>:Health</a:t>
             </a:r>
           </a:p>
           <a:p>
